--- a/documentation/images/architecture.pptx
+++ b/documentation/images/architecture.pptx
@@ -1171,7 +1171,7 @@
         </p:blipFill>
         <p:spPr>
           <a:xfrm>
-            <a:off x="3486421" y="1560351"/>
+            <a:off x="4070621" y="1585751"/>
             <a:ext cx="3005000" cy="180000"/>
           </a:xfrm>
           <a:prstGeom prst="rect">
@@ -1409,8 +1409,8 @@
         </p:nvSpPr>
         <p:spPr>
           <a:xfrm>
-            <a:off x="504001" y="1555282"/>
-            <a:ext cx="2144144" cy="346735"/>
+            <a:off x="1215787" y="1608046"/>
+            <a:ext cx="1503315" cy="346735"/>
           </a:xfrm>
           <a:prstGeom prst="roundRect">
             <a:avLst>
@@ -1742,12 +1742,62 @@
           </a:prstGeom>
         </p:spPr>
       </p:pic>
+      <p:cxnSp>
+        <p:nvCxnSpPr>
+          <p:cNvPr id="30" name="Shape 2178">
+            <a:extLst>
+              <a:ext uri="{FF2B5EF4-FFF2-40B4-BE49-F238E27FC236}">
+                <a16:creationId xmlns:a16="http://schemas.microsoft.com/office/drawing/2014/main" id="{BA2FFB0F-0681-F646-B9ED-31A1DE55797C}"/>
+              </a:ext>
+            </a:extLst>
+          </p:cNvPr>
+          <p:cNvCxnSpPr>
+            <a:cxnSpLocks/>
+            <a:stCxn id="7" idx="2"/>
+          </p:cNvCxnSpPr>
+          <p:nvPr/>
+        </p:nvCxnSpPr>
+        <p:spPr>
+          <a:xfrm>
+            <a:off x="8947495" y="4124953"/>
+            <a:ext cx="0" cy="788807"/>
+          </a:xfrm>
+          <a:prstGeom prst="straightConnector1">
+            <a:avLst/>
+          </a:prstGeom>
+          <a:ln w="19050" cap="rnd" cmpd="sng">
+            <a:solidFill>
+              <a:schemeClr val="tx1">
+                <a:lumMod val="65000"/>
+                <a:lumOff val="35000"/>
+              </a:schemeClr>
+            </a:solidFill>
+            <a:round/>
+            <a:headEnd type="none" w="med" len="med"/>
+            <a:tailEnd type="triangle" w="med" len="med"/>
+          </a:ln>
+        </p:spPr>
+        <p:style>
+          <a:lnRef idx="1">
+            <a:schemeClr val="accent1"/>
+          </a:lnRef>
+          <a:fillRef idx="0">
+            <a:schemeClr val="accent1"/>
+          </a:fillRef>
+          <a:effectRef idx="0">
+            <a:schemeClr val="accent1"/>
+          </a:effectRef>
+          <a:fontRef idx="minor">
+            <a:schemeClr val="tx1"/>
+          </a:fontRef>
+        </p:style>
+      </p:cxnSp>
       <p:sp>
         <p:nvSpPr>
-          <p:cNvPr id="28" name="Rechteck 9">
+          <p:cNvPr id="38" name="Rechteck 9">
             <a:extLst>
               <a:ext uri="{FF2B5EF4-FFF2-40B4-BE49-F238E27FC236}">
-                <a16:creationId xmlns:a16="http://schemas.microsoft.com/office/drawing/2014/main" id="{6B4E0DFD-4C42-A646-9C38-40C8B9AC48E4}"/>
+                <a16:creationId xmlns:a16="http://schemas.microsoft.com/office/drawing/2014/main" id="{ABF4FF01-95F3-EA4C-B038-656C1B948EC2}"/>
               </a:ext>
             </a:extLst>
           </p:cNvPr>
@@ -1756,8 +1806,8 @@
         </p:nvSpPr>
         <p:spPr>
           <a:xfrm>
-            <a:off x="5712719" y="5101817"/>
-            <a:ext cx="4213602" cy="373883"/>
+            <a:off x="606621" y="2717420"/>
+            <a:ext cx="1584306" cy="373883"/>
           </a:xfrm>
           <a:prstGeom prst="rect">
             <a:avLst/>
@@ -1802,203 +1852,7 @@
                   </a:schemeClr>
                 </a:solidFill>
               </a:rPr>
-              <a:t>Teams API</a:t>
-            </a:r>
-            <a:endParaRPr lang="en-US" sz="1200" dirty="0">
-              <a:solidFill>
-                <a:schemeClr val="tx1">
-                  <a:lumMod val="65000"/>
-                  <a:lumOff val="35000"/>
-                </a:schemeClr>
-              </a:solidFill>
-            </a:endParaRPr>
-          </a:p>
-        </p:txBody>
-      </p:sp>
-      <p:sp>
-        <p:nvSpPr>
-          <p:cNvPr id="29" name="Rechteck 9">
-            <a:extLst>
-              <a:ext uri="{FF2B5EF4-FFF2-40B4-BE49-F238E27FC236}">
-                <a16:creationId xmlns:a16="http://schemas.microsoft.com/office/drawing/2014/main" id="{BA97365C-754C-424C-B3C0-106E606905B8}"/>
-              </a:ext>
-            </a:extLst>
-          </p:cNvPr>
-          <p:cNvSpPr/>
-          <p:nvPr/>
-        </p:nvSpPr>
-        <p:spPr>
-          <a:xfrm>
-            <a:off x="5703214" y="5605988"/>
-            <a:ext cx="4223107" cy="373883"/>
-          </a:xfrm>
-          <a:prstGeom prst="rect">
-            <a:avLst/>
-          </a:prstGeom>
-          <a:noFill/>
-          <a:ln w="19050" cap="rnd">
-            <a:solidFill>
-              <a:schemeClr val="tx1">
-                <a:lumMod val="65000"/>
-                <a:lumOff val="35000"/>
-              </a:schemeClr>
-            </a:solidFill>
-            <a:prstDash val="sysDot"/>
-          </a:ln>
-        </p:spPr>
-        <p:style>
-          <a:lnRef idx="2">
-            <a:schemeClr val="accent1">
-              <a:shade val="50000"/>
-            </a:schemeClr>
-          </a:lnRef>
-          <a:fillRef idx="1">
-            <a:schemeClr val="accent1"/>
-          </a:fillRef>
-          <a:effectRef idx="0">
-            <a:schemeClr val="accent1"/>
-          </a:effectRef>
-          <a:fontRef idx="minor">
-            <a:schemeClr val="lt1"/>
-          </a:fontRef>
-        </p:style>
-        <p:txBody>
-          <a:bodyPr lIns="72000" tIns="72000" rIns="72000" bIns="72000" rtlCol="0" anchor="t"/>
-          <a:lstStyle/>
-          <a:p>
-            <a:r>
-              <a:rPr lang="en-US" sz="1200" b="1" dirty="0">
-                <a:solidFill>
-                  <a:schemeClr val="tx1">
-                    <a:lumMod val="65000"/>
-                    <a:lumOff val="35000"/>
-                  </a:schemeClr>
-                </a:solidFill>
-              </a:rPr>
-              <a:t>Graph API</a:t>
-            </a:r>
-            <a:endParaRPr lang="en-US" sz="1200" dirty="0">
-              <a:solidFill>
-                <a:schemeClr val="tx1">
-                  <a:lumMod val="65000"/>
-                  <a:lumOff val="35000"/>
-                </a:schemeClr>
-              </a:solidFill>
-            </a:endParaRPr>
-          </a:p>
-        </p:txBody>
-      </p:sp>
-      <p:cxnSp>
-        <p:nvCxnSpPr>
-          <p:cNvPr id="30" name="Shape 2178">
-            <a:extLst>
-              <a:ext uri="{FF2B5EF4-FFF2-40B4-BE49-F238E27FC236}">
-                <a16:creationId xmlns:a16="http://schemas.microsoft.com/office/drawing/2014/main" id="{BA2FFB0F-0681-F646-B9ED-31A1DE55797C}"/>
-              </a:ext>
-            </a:extLst>
-          </p:cNvPr>
-          <p:cNvCxnSpPr>
-            <a:cxnSpLocks/>
-            <a:stCxn id="7" idx="2"/>
-          </p:cNvCxnSpPr>
-          <p:nvPr/>
-        </p:nvCxnSpPr>
-        <p:spPr>
-          <a:xfrm>
-            <a:off x="8947495" y="4124953"/>
-            <a:ext cx="0" cy="788807"/>
-          </a:xfrm>
-          <a:prstGeom prst="straightConnector1">
-            <a:avLst/>
-          </a:prstGeom>
-          <a:ln w="19050" cap="rnd" cmpd="sng">
-            <a:solidFill>
-              <a:schemeClr val="tx1">
-                <a:lumMod val="65000"/>
-                <a:lumOff val="35000"/>
-              </a:schemeClr>
-            </a:solidFill>
-            <a:round/>
-            <a:headEnd type="none" w="med" len="med"/>
-            <a:tailEnd type="triangle" w="med" len="med"/>
-          </a:ln>
-        </p:spPr>
-        <p:style>
-          <a:lnRef idx="1">
-            <a:schemeClr val="accent1"/>
-          </a:lnRef>
-          <a:fillRef idx="0">
-            <a:schemeClr val="accent1"/>
-          </a:fillRef>
-          <a:effectRef idx="0">
-            <a:schemeClr val="accent1"/>
-          </a:effectRef>
-          <a:fontRef idx="minor">
-            <a:schemeClr val="tx1"/>
-          </a:fontRef>
-        </p:style>
-      </p:cxnSp>
-      <p:sp>
-        <p:nvSpPr>
-          <p:cNvPr id="38" name="Rechteck 9">
-            <a:extLst>
-              <a:ext uri="{FF2B5EF4-FFF2-40B4-BE49-F238E27FC236}">
-                <a16:creationId xmlns:a16="http://schemas.microsoft.com/office/drawing/2014/main" id="{ABF4FF01-95F3-EA4C-B038-656C1B948EC2}"/>
-              </a:ext>
-            </a:extLst>
-          </p:cNvPr>
-          <p:cNvSpPr/>
-          <p:nvPr/>
-        </p:nvSpPr>
-        <p:spPr>
-          <a:xfrm>
-            <a:off x="606621" y="2717420"/>
-            <a:ext cx="1584306" cy="373883"/>
-          </a:xfrm>
-          <a:prstGeom prst="rect">
-            <a:avLst/>
-          </a:prstGeom>
-          <a:noFill/>
-          <a:ln w="19050" cap="rnd">
-            <a:solidFill>
-              <a:schemeClr val="tx1">
-                <a:lumMod val="65000"/>
-                <a:lumOff val="35000"/>
-              </a:schemeClr>
-            </a:solidFill>
-            <a:prstDash val="sysDot"/>
-          </a:ln>
-        </p:spPr>
-        <p:style>
-          <a:lnRef idx="2">
-            <a:schemeClr val="accent1">
-              <a:shade val="50000"/>
-            </a:schemeClr>
-          </a:lnRef>
-          <a:fillRef idx="1">
-            <a:schemeClr val="accent1"/>
-          </a:fillRef>
-          <a:effectRef idx="0">
-            <a:schemeClr val="accent1"/>
-          </a:effectRef>
-          <a:fontRef idx="minor">
-            <a:schemeClr val="lt1"/>
-          </a:fontRef>
-        </p:style>
-        <p:txBody>
-          <a:bodyPr lIns="72000" tIns="72000" rIns="72000" bIns="72000" rtlCol="0" anchor="t"/>
-          <a:lstStyle/>
-          <a:p>
-            <a:r>
-              <a:rPr lang="en-US" sz="1200" b="1" dirty="0">
-                <a:solidFill>
-                  <a:schemeClr val="tx1">
-                    <a:lumMod val="65000"/>
-                    <a:lumOff val="35000"/>
-                  </a:schemeClr>
-                </a:solidFill>
-              </a:rPr>
-              <a:t>Ticket API</a:t>
+              <a:t>OData API</a:t>
             </a:r>
             <a:endParaRPr lang="en-US" sz="1200" dirty="0">
               <a:solidFill>
@@ -2403,6 +2257,438 @@
           </a:p>
         </p:txBody>
       </p:sp>
+      <p:pic>
+        <p:nvPicPr>
+          <p:cNvPr id="31" name="Bild 3">
+            <a:extLst>
+              <a:ext uri="{FF2B5EF4-FFF2-40B4-BE49-F238E27FC236}">
+                <a16:creationId xmlns:a16="http://schemas.microsoft.com/office/drawing/2014/main" id="{6BF3778E-4F57-F647-A5F3-B652BAF5F4B6}"/>
+              </a:ext>
+            </a:extLst>
+          </p:cNvPr>
+          <p:cNvPicPr>
+            <a:picLocks noChangeAspect="1"/>
+          </p:cNvPicPr>
+          <p:nvPr/>
+        </p:nvPicPr>
+        <p:blipFill>
+          <a:blip r:embed="rId11">
+            <a:extLst>
+              <a:ext uri="{28A0092B-C50C-407E-A947-70E740481C1C}">
+                <a14:useLocalDpi xmlns:a14="http://schemas.microsoft.com/office/drawing/2010/main" val="0"/>
+              </a:ext>
+            </a:extLst>
+          </a:blip>
+          <a:stretch>
+            <a:fillRect/>
+          </a:stretch>
+        </p:blipFill>
+        <p:spPr>
+          <a:xfrm>
+            <a:off x="3378399" y="1481187"/>
+            <a:ext cx="685800" cy="338328"/>
+          </a:xfrm>
+          <a:prstGeom prst="rect">
+            <a:avLst/>
+          </a:prstGeom>
+        </p:spPr>
+      </p:pic>
+      <p:pic>
+        <p:nvPicPr>
+          <p:cNvPr id="3" name="Graphic 2">
+            <a:extLst>
+              <a:ext uri="{FF2B5EF4-FFF2-40B4-BE49-F238E27FC236}">
+                <a16:creationId xmlns:a16="http://schemas.microsoft.com/office/drawing/2014/main" id="{DE2CAA53-045D-2D49-BE15-0DD13198DE71}"/>
+              </a:ext>
+            </a:extLst>
+          </p:cNvPr>
+          <p:cNvPicPr>
+            <a:picLocks noChangeAspect="1"/>
+          </p:cNvPicPr>
+          <p:nvPr/>
+        </p:nvPicPr>
+        <p:blipFill>
+          <a:blip r:embed="rId12">
+            <a:extLst>
+              <a:ext uri="{96DAC541-7B7A-43D3-8B79-37D633B846F1}">
+                <asvg:svgBlip xmlns:asvg="http://schemas.microsoft.com/office/drawing/2016/SVG/main" r:embed="rId13"/>
+              </a:ext>
+            </a:extLst>
+          </a:blip>
+          <a:stretch>
+            <a:fillRect/>
+          </a:stretch>
+        </p:blipFill>
+        <p:spPr>
+          <a:xfrm>
+            <a:off x="5649219" y="5186888"/>
+            <a:ext cx="457200" cy="457200"/>
+          </a:xfrm>
+          <a:prstGeom prst="rect">
+            <a:avLst/>
+          </a:prstGeom>
+        </p:spPr>
+      </p:pic>
+      <p:sp>
+        <p:nvSpPr>
+          <p:cNvPr id="32" name="Rectangle 31">
+            <a:extLst>
+              <a:ext uri="{FF2B5EF4-FFF2-40B4-BE49-F238E27FC236}">
+                <a16:creationId xmlns:a16="http://schemas.microsoft.com/office/drawing/2014/main" id="{897D4CF5-3B8A-5C42-9BE3-305F01BDF1EE}"/>
+              </a:ext>
+            </a:extLst>
+          </p:cNvPr>
+          <p:cNvSpPr/>
+          <p:nvPr/>
+        </p:nvSpPr>
+        <p:spPr>
+          <a:xfrm>
+            <a:off x="5279134" y="5644088"/>
+            <a:ext cx="1221274" cy="261610"/>
+          </a:xfrm>
+          <a:prstGeom prst="rect">
+            <a:avLst/>
+          </a:prstGeom>
+        </p:spPr>
+        <p:txBody>
+          <a:bodyPr wrap="square">
+            <a:spAutoFit/>
+          </a:bodyPr>
+          <a:lstStyle/>
+          <a:p>
+            <a:pPr algn="ctr"/>
+            <a:r>
+              <a:rPr lang="en-US" sz="1100" b="1" dirty="0">
+                <a:solidFill>
+                  <a:schemeClr val="tx1">
+                    <a:lumMod val="65000"/>
+                    <a:lumOff val="35000"/>
+                  </a:schemeClr>
+                </a:solidFill>
+                <a:latin typeface="Arial" charset="0"/>
+                <a:cs typeface="Arial" charset="0"/>
+              </a:rPr>
+              <a:t>Graph API</a:t>
+            </a:r>
+            <a:endParaRPr lang="en-US" sz="1100" dirty="0">
+              <a:solidFill>
+                <a:schemeClr val="tx1">
+                  <a:lumMod val="65000"/>
+                  <a:lumOff val="35000"/>
+                </a:schemeClr>
+              </a:solidFill>
+              <a:latin typeface="Arial" charset="0"/>
+              <a:cs typeface="Arial" charset="0"/>
+            </a:endParaRPr>
+          </a:p>
+        </p:txBody>
+      </p:sp>
+      <p:pic>
+        <p:nvPicPr>
+          <p:cNvPr id="33" name="Graphic 32">
+            <a:extLst>
+              <a:ext uri="{FF2B5EF4-FFF2-40B4-BE49-F238E27FC236}">
+                <a16:creationId xmlns:a16="http://schemas.microsoft.com/office/drawing/2014/main" id="{14A00C7A-2EA6-FF4F-870D-AF195F1728FD}"/>
+              </a:ext>
+            </a:extLst>
+          </p:cNvPr>
+          <p:cNvPicPr>
+            <a:picLocks noChangeAspect="1"/>
+          </p:cNvPicPr>
+          <p:nvPr/>
+        </p:nvPicPr>
+        <p:blipFill>
+          <a:blip r:embed="rId3">
+            <a:extLst>
+              <a:ext uri="{96DAC541-7B7A-43D3-8B79-37D633B846F1}">
+                <asvg:svgBlip xmlns:asvg="http://schemas.microsoft.com/office/drawing/2016/SVG/main" r:embed="rId4"/>
+              </a:ext>
+            </a:extLst>
+          </a:blip>
+          <a:stretch>
+            <a:fillRect/>
+          </a:stretch>
+        </p:blipFill>
+        <p:spPr>
+          <a:xfrm>
+            <a:off x="6723757" y="5212688"/>
+            <a:ext cx="457200" cy="425187"/>
+          </a:xfrm>
+          <a:prstGeom prst="rect">
+            <a:avLst/>
+          </a:prstGeom>
+        </p:spPr>
+      </p:pic>
+      <p:sp>
+        <p:nvSpPr>
+          <p:cNvPr id="34" name="Rectangle 33">
+            <a:extLst>
+              <a:ext uri="{FF2B5EF4-FFF2-40B4-BE49-F238E27FC236}">
+                <a16:creationId xmlns:a16="http://schemas.microsoft.com/office/drawing/2014/main" id="{9571F5F7-6877-0848-8984-D40D20407066}"/>
+              </a:ext>
+            </a:extLst>
+          </p:cNvPr>
+          <p:cNvSpPr/>
+          <p:nvPr/>
+        </p:nvSpPr>
+        <p:spPr>
+          <a:xfrm>
+            <a:off x="6345716" y="5660274"/>
+            <a:ext cx="1221274" cy="261610"/>
+          </a:xfrm>
+          <a:prstGeom prst="rect">
+            <a:avLst/>
+          </a:prstGeom>
+        </p:spPr>
+        <p:txBody>
+          <a:bodyPr wrap="square">
+            <a:spAutoFit/>
+          </a:bodyPr>
+          <a:lstStyle/>
+          <a:p>
+            <a:pPr algn="ctr"/>
+            <a:r>
+              <a:rPr lang="en-US" sz="1100" b="1" dirty="0">
+                <a:solidFill>
+                  <a:schemeClr val="tx1">
+                    <a:lumMod val="65000"/>
+                    <a:lumOff val="35000"/>
+                  </a:schemeClr>
+                </a:solidFill>
+                <a:latin typeface="Arial" charset="0"/>
+                <a:cs typeface="Arial" charset="0"/>
+              </a:rPr>
+              <a:t>Teams API</a:t>
+            </a:r>
+            <a:endParaRPr lang="en-US" sz="1100" dirty="0">
+              <a:solidFill>
+                <a:schemeClr val="tx1">
+                  <a:lumMod val="65000"/>
+                  <a:lumOff val="35000"/>
+                </a:schemeClr>
+              </a:solidFill>
+              <a:latin typeface="Arial" charset="0"/>
+              <a:cs typeface="Arial" charset="0"/>
+            </a:endParaRPr>
+          </a:p>
+        </p:txBody>
+      </p:sp>
+      <p:pic>
+        <p:nvPicPr>
+          <p:cNvPr id="16" name="Graphic 15">
+            <a:extLst>
+              <a:ext uri="{FF2B5EF4-FFF2-40B4-BE49-F238E27FC236}">
+                <a16:creationId xmlns:a16="http://schemas.microsoft.com/office/drawing/2014/main" id="{F0FE16B9-7B49-BD42-ACA1-D04E955A129B}"/>
+              </a:ext>
+            </a:extLst>
+          </p:cNvPr>
+          <p:cNvPicPr>
+            <a:picLocks noChangeAspect="1"/>
+          </p:cNvPicPr>
+          <p:nvPr/>
+        </p:nvPicPr>
+        <p:blipFill>
+          <a:blip r:embed="rId14">
+            <a:extLst>
+              <a:ext uri="{96DAC541-7B7A-43D3-8B79-37D633B846F1}">
+                <asvg:svgBlip xmlns:asvg="http://schemas.microsoft.com/office/drawing/2016/SVG/main" r:embed="rId15"/>
+              </a:ext>
+            </a:extLst>
+          </a:blip>
+          <a:stretch>
+            <a:fillRect/>
+          </a:stretch>
+        </p:blipFill>
+        <p:spPr>
+          <a:xfrm>
+            <a:off x="7777950" y="5128282"/>
+            <a:ext cx="511088" cy="511088"/>
+          </a:xfrm>
+          <a:prstGeom prst="rect">
+            <a:avLst/>
+          </a:prstGeom>
+        </p:spPr>
+      </p:pic>
+      <p:sp>
+        <p:nvSpPr>
+          <p:cNvPr id="36" name="Rectangle 35">
+            <a:extLst>
+              <a:ext uri="{FF2B5EF4-FFF2-40B4-BE49-F238E27FC236}">
+                <a16:creationId xmlns:a16="http://schemas.microsoft.com/office/drawing/2014/main" id="{83103A19-FBBC-9949-878D-89657AF18CA3}"/>
+              </a:ext>
+            </a:extLst>
+          </p:cNvPr>
+          <p:cNvSpPr/>
+          <p:nvPr/>
+        </p:nvSpPr>
+        <p:spPr>
+          <a:xfrm>
+            <a:off x="7432942" y="5651461"/>
+            <a:ext cx="1221274" cy="430887"/>
+          </a:xfrm>
+          <a:prstGeom prst="rect">
+            <a:avLst/>
+          </a:prstGeom>
+        </p:spPr>
+        <p:txBody>
+          <a:bodyPr wrap="square">
+            <a:spAutoFit/>
+          </a:bodyPr>
+          <a:lstStyle/>
+          <a:p>
+            <a:pPr algn="ctr"/>
+            <a:r>
+              <a:rPr lang="en-US" sz="1100" b="1" dirty="0">
+                <a:solidFill>
+                  <a:schemeClr val="tx1">
+                    <a:lumMod val="65000"/>
+                    <a:lumOff val="35000"/>
+                  </a:schemeClr>
+                </a:solidFill>
+                <a:latin typeface="Arial" charset="0"/>
+                <a:cs typeface="Arial" charset="0"/>
+              </a:rPr>
+              <a:t>Active Directory</a:t>
+            </a:r>
+            <a:endParaRPr lang="en-US" sz="1100" dirty="0">
+              <a:solidFill>
+                <a:schemeClr val="tx1">
+                  <a:lumMod val="65000"/>
+                  <a:lumOff val="35000"/>
+                </a:schemeClr>
+              </a:solidFill>
+              <a:latin typeface="Arial" charset="0"/>
+              <a:cs typeface="Arial" charset="0"/>
+            </a:endParaRPr>
+          </a:p>
+        </p:txBody>
+      </p:sp>
+      <p:pic>
+        <p:nvPicPr>
+          <p:cNvPr id="18" name="Graphic 17">
+            <a:extLst>
+              <a:ext uri="{FF2B5EF4-FFF2-40B4-BE49-F238E27FC236}">
+                <a16:creationId xmlns:a16="http://schemas.microsoft.com/office/drawing/2014/main" id="{C39919B7-FA1C-FD4C-8737-3628860E1365}"/>
+              </a:ext>
+            </a:extLst>
+          </p:cNvPr>
+          <p:cNvPicPr>
+            <a:picLocks noChangeAspect="1"/>
+          </p:cNvPicPr>
+          <p:nvPr/>
+        </p:nvPicPr>
+        <p:blipFill>
+          <a:blip r:embed="rId16">
+            <a:extLst>
+              <a:ext uri="{96DAC541-7B7A-43D3-8B79-37D633B846F1}">
+                <asvg:svgBlip xmlns:asvg="http://schemas.microsoft.com/office/drawing/2016/SVG/main" r:embed="rId17"/>
+              </a:ext>
+            </a:extLst>
+          </a:blip>
+          <a:stretch>
+            <a:fillRect/>
+          </a:stretch>
+        </p:blipFill>
+        <p:spPr>
+          <a:xfrm>
+            <a:off x="8932796" y="5119848"/>
+            <a:ext cx="531613" cy="531613"/>
+          </a:xfrm>
+          <a:prstGeom prst="rect">
+            <a:avLst/>
+          </a:prstGeom>
+        </p:spPr>
+      </p:pic>
+      <p:sp>
+        <p:nvSpPr>
+          <p:cNvPr id="40" name="Rectangle 39">
+            <a:extLst>
+              <a:ext uri="{FF2B5EF4-FFF2-40B4-BE49-F238E27FC236}">
+                <a16:creationId xmlns:a16="http://schemas.microsoft.com/office/drawing/2014/main" id="{76DD399C-6F42-9C4E-B6B2-01ECA6ACD9C4}"/>
+              </a:ext>
+            </a:extLst>
+          </p:cNvPr>
+          <p:cNvSpPr/>
+          <p:nvPr/>
+        </p:nvSpPr>
+        <p:spPr>
+          <a:xfrm>
+            <a:off x="8601064" y="5679273"/>
+            <a:ext cx="1221274" cy="261610"/>
+          </a:xfrm>
+          <a:prstGeom prst="rect">
+            <a:avLst/>
+          </a:prstGeom>
+        </p:spPr>
+        <p:txBody>
+          <a:bodyPr wrap="square">
+            <a:spAutoFit/>
+          </a:bodyPr>
+          <a:lstStyle/>
+          <a:p>
+            <a:pPr algn="ctr"/>
+            <a:r>
+              <a:rPr lang="en-US" sz="1100" b="1" dirty="0">
+                <a:solidFill>
+                  <a:schemeClr val="tx1">
+                    <a:lumMod val="65000"/>
+                    <a:lumOff val="35000"/>
+                  </a:schemeClr>
+                </a:solidFill>
+                <a:latin typeface="Arial" charset="0"/>
+                <a:cs typeface="Arial" charset="0"/>
+              </a:rPr>
+              <a:t>Bot Service</a:t>
+            </a:r>
+            <a:endParaRPr lang="en-US" sz="1100" dirty="0">
+              <a:solidFill>
+                <a:schemeClr val="tx1">
+                  <a:lumMod val="65000"/>
+                  <a:lumOff val="35000"/>
+                </a:schemeClr>
+              </a:solidFill>
+              <a:latin typeface="Arial" charset="0"/>
+              <a:cs typeface="Arial" charset="0"/>
+            </a:endParaRPr>
+          </a:p>
+        </p:txBody>
+      </p:sp>
+      <p:pic>
+        <p:nvPicPr>
+          <p:cNvPr id="44" name="Bild 3">
+            <a:extLst>
+              <a:ext uri="{FF2B5EF4-FFF2-40B4-BE49-F238E27FC236}">
+                <a16:creationId xmlns:a16="http://schemas.microsoft.com/office/drawing/2014/main" id="{170BE853-D099-CF4A-AAC9-6F45856ECEC0}"/>
+              </a:ext>
+            </a:extLst>
+          </p:cNvPr>
+          <p:cNvPicPr>
+            <a:picLocks noChangeAspect="1"/>
+          </p:cNvPicPr>
+          <p:nvPr/>
+        </p:nvPicPr>
+        <p:blipFill>
+          <a:blip r:embed="rId11">
+            <a:extLst>
+              <a:ext uri="{28A0092B-C50C-407E-A947-70E740481C1C}">
+                <a14:useLocalDpi xmlns:a14="http://schemas.microsoft.com/office/drawing/2010/main" val="0"/>
+              </a:ext>
+            </a:extLst>
+          </a:blip>
+          <a:stretch>
+            <a:fillRect/>
+          </a:stretch>
+        </p:blipFill>
+        <p:spPr>
+          <a:xfrm>
+            <a:off x="504001" y="1565524"/>
+            <a:ext cx="685800" cy="338328"/>
+          </a:xfrm>
+          <a:prstGeom prst="rect">
+            <a:avLst/>
+          </a:prstGeom>
+        </p:spPr>
+      </p:pic>
     </p:spTree>
     <p:extLst>
       <p:ext uri="{BB962C8B-B14F-4D97-AF65-F5344CB8AC3E}">
@@ -3079,29 +3365,6 @@
 </file>
 
 <file path=customXml/item1.xml><?xml version="1.0" encoding="utf-8"?>
-<p:properties xmlns:p="http://schemas.microsoft.com/office/2006/metadata/properties" xmlns:xsi="http://www.w3.org/2001/XMLSchema-instance" xmlns:pc="http://schemas.microsoft.com/office/infopath/2007/PartnerControls">
-  <documentManagement>
-    <ResponsibleContact xmlns="47fc58d8-9f4b-4bc8-b278-c3cb6f298023">
-      <UserInfo>
-        <DisplayName/>
-        <AccountId xsi:nil="true"/>
-        <AccountType/>
-      </UserInfo>
-    </ResponsibleContact>
-  </documentManagement>
-</p:properties>
-</file>
-
-<file path=customXml/item2.xml><?xml version="1.0" encoding="utf-8"?>
-<?mso-contentType ?>
-<FormTemplates xmlns="http://schemas.microsoft.com/sharepoint/v3/contenttype/forms">
-  <Display>DocumentLibraryForm</Display>
-  <Edit>DocumentLibraryForm</Edit>
-  <New>DocumentLibraryForm</New>
-</FormTemplates>
-</file>
-
-<file path=customXml/item3.xml><?xml version="1.0" encoding="utf-8"?>
 <ct:contentTypeSchema xmlns:ct="http://schemas.microsoft.com/office/2006/metadata/contentType" xmlns:ma="http://schemas.microsoft.com/office/2006/metadata/properties/metaAttributes" ct:_="" ma:_="" ma:contentTypeName="Document" ma:contentTypeID="0x010100615F0F9DCBF1E94796646FCF98A7C072" ma:contentTypeVersion="13" ma:contentTypeDescription="Create a new document." ma:contentTypeScope="" ma:versionID="5b306df2387467d165757eb5a8cdddaa">
   <xsd:schema xmlns:xsd="http://www.w3.org/2001/XMLSchema" xmlns:xs="http://www.w3.org/2001/XMLSchema" xmlns:p="http://schemas.microsoft.com/office/2006/metadata/properties" xmlns:ns2="0e00d59e-b0d2-4e67-be34-67e465b0fbed" xmlns:ns3="47fc58d8-9f4b-4bc8-b278-c3cb6f298023" targetNamespace="http://schemas.microsoft.com/office/2006/metadata/properties" ma:root="true" ma:fieldsID="eebd9c38828bcd412c0ba6e1c1867684" ns2:_="" ns3:_="">
     <xsd:import namespace="0e00d59e-b0d2-4e67-be34-67e465b0fbed"/>
@@ -3338,32 +3601,30 @@
 </ct:contentTypeSchema>
 </file>
 
-<file path=customXml/itemProps1.xml><?xml version="1.0" encoding="utf-8"?>
-<ds:datastoreItem xmlns:ds="http://schemas.openxmlformats.org/officeDocument/2006/customXml" ds:itemID="{C1422F45-04DB-421D-8796-270006657806}">
-  <ds:schemaRefs>
-    <ds:schemaRef ds:uri="http://purl.org/dc/terms/"/>
-    <ds:schemaRef ds:uri="http://www.w3.org/XML/1998/namespace"/>
-    <ds:schemaRef ds:uri="0e00d59e-b0d2-4e67-be34-67e465b0fbed"/>
-    <ds:schemaRef ds:uri="47fc58d8-9f4b-4bc8-b278-c3cb6f298023"/>
-    <ds:schemaRef ds:uri="http://purl.org/dc/dcmitype/"/>
-    <ds:schemaRef ds:uri="http://schemas.microsoft.com/office/2006/documentManagement/types"/>
-    <ds:schemaRef ds:uri="http://purl.org/dc/elements/1.1/"/>
-    <ds:schemaRef ds:uri="http://schemas.microsoft.com/office/infopath/2007/PartnerControls"/>
-    <ds:schemaRef ds:uri="http://schemas.openxmlformats.org/package/2006/metadata/core-properties"/>
-    <ds:schemaRef ds:uri="http://schemas.microsoft.com/office/2006/metadata/properties"/>
-  </ds:schemaRefs>
-</ds:datastoreItem>
+<file path=customXml/item2.xml><?xml version="1.0" encoding="utf-8"?>
+<?mso-contentType ?>
+<FormTemplates xmlns="http://schemas.microsoft.com/sharepoint/v3/contenttype/forms">
+  <Display>DocumentLibraryForm</Display>
+  <Edit>DocumentLibraryForm</Edit>
+  <New>DocumentLibraryForm</New>
+</FormTemplates>
 </file>
 
-<file path=customXml/itemProps2.xml><?xml version="1.0" encoding="utf-8"?>
-<ds:datastoreItem xmlns:ds="http://schemas.openxmlformats.org/officeDocument/2006/customXml" ds:itemID="{291DCB28-1C52-4C0E-804A-6BD2D3F0FB8D}">
-  <ds:schemaRefs>
-    <ds:schemaRef ds:uri="http://schemas.microsoft.com/sharepoint/v3/contenttype/forms"/>
-  </ds:schemaRefs>
-</ds:datastoreItem>
+<file path=customXml/item3.xml><?xml version="1.0" encoding="utf-8"?>
+<p:properties xmlns:p="http://schemas.microsoft.com/office/2006/metadata/properties" xmlns:xsi="http://www.w3.org/2001/XMLSchema-instance" xmlns:pc="http://schemas.microsoft.com/office/infopath/2007/PartnerControls">
+  <documentManagement>
+    <ResponsibleContact xmlns="47fc58d8-9f4b-4bc8-b278-c3cb6f298023">
+      <UserInfo>
+        <DisplayName/>
+        <AccountId xsi:nil="true"/>
+        <AccountType/>
+      </UserInfo>
+    </ResponsibleContact>
+  </documentManagement>
+</p:properties>
 </file>
 
-<file path=customXml/itemProps3.xml><?xml version="1.0" encoding="utf-8"?>
+<file path=customXml/itemProps1.xml><?xml version="1.0" encoding="utf-8"?>
 <ds:datastoreItem xmlns:ds="http://schemas.openxmlformats.org/officeDocument/2006/customXml" ds:itemID="{B3812128-B7DF-461F-A8F2-831754A1D2F6}">
   <ds:schemaRefs>
     <ds:schemaRef ds:uri="http://schemas.microsoft.com/office/2006/metadata/contentType"/>
@@ -3380,4 +3641,29 @@
     <ds:schemaRef ds:uri="http://schemas.microsoft.com/internal/obd"/>
   </ds:schemaRefs>
 </ds:datastoreItem>
+</file>
+
+<file path=customXml/itemProps2.xml><?xml version="1.0" encoding="utf-8"?>
+<ds:datastoreItem xmlns:ds="http://schemas.openxmlformats.org/officeDocument/2006/customXml" ds:itemID="{291DCB28-1C52-4C0E-804A-6BD2D3F0FB8D}">
+  <ds:schemaRefs>
+    <ds:schemaRef ds:uri="http://schemas.microsoft.com/sharepoint/v3/contenttype/forms"/>
+  </ds:schemaRefs>
+</ds:datastoreItem>
+</file>
+
+<file path=customXml/itemProps3.xml><?xml version="1.0" encoding="utf-8"?>
+<ds:datastoreItem xmlns:ds="http://schemas.openxmlformats.org/officeDocument/2006/customXml" ds:itemID="{C1422F45-04DB-421D-8796-270006657806}">
+  <ds:schemaRefs>
+    <ds:schemaRef ds:uri="http://purl.org/dc/terms/"/>
+    <ds:schemaRef ds:uri="http://www.w3.org/XML/1998/namespace"/>
+    <ds:schemaRef ds:uri="0e00d59e-b0d2-4e67-be34-67e465b0fbed"/>
+    <ds:schemaRef ds:uri="47fc58d8-9f4b-4bc8-b278-c3cb6f298023"/>
+    <ds:schemaRef ds:uri="http://purl.org/dc/dcmitype/"/>
+    <ds:schemaRef ds:uri="http://schemas.microsoft.com/office/2006/documentManagement/types"/>
+    <ds:schemaRef ds:uri="http://purl.org/dc/elements/1.1/"/>
+    <ds:schemaRef ds:uri="http://schemas.microsoft.com/office/infopath/2007/PartnerControls"/>
+    <ds:schemaRef ds:uri="http://schemas.openxmlformats.org/package/2006/metadata/core-properties"/>
+    <ds:schemaRef ds:uri="http://schemas.microsoft.com/office/2006/metadata/properties"/>
+  </ds:schemaRefs>
+</ds:datastoreItem>
 </file>